--- a/Class 04 Tests on one or two mean vectors.pptx
+++ b/Class 04 Tests on one or two mean vectors.pptx
@@ -280,7 +280,7 @@
           <a:p>
             <a:fld id="{DCB46477-8831-DF47-BC3A-B65F1FA8D045}" type="datetimeFigureOut">
               <a:rPr lang="en-US" smtClean="0"/>
-              <a:t>9/20/21</a:t>
+              <a:t>9/23/21</a:t>
             </a:fld>
             <a:endParaRPr lang="en-US"/>
           </a:p>
@@ -694,7 +694,7 @@
           <a:p>
             <a:fld id="{037F6D3A-DF67-F84B-9597-C40502329EC7}" type="datetimeFigureOut">
               <a:rPr lang="en-US" smtClean="0"/>
-              <a:t>9/20/21</a:t>
+              <a:t>9/23/21</a:t>
             </a:fld>
             <a:endParaRPr lang="en-US"/>
           </a:p>
@@ -892,7 +892,7 @@
           <a:p>
             <a:fld id="{037F6D3A-DF67-F84B-9597-C40502329EC7}" type="datetimeFigureOut">
               <a:rPr lang="en-US" smtClean="0"/>
-              <a:t>9/20/21</a:t>
+              <a:t>9/23/21</a:t>
             </a:fld>
             <a:endParaRPr lang="en-US"/>
           </a:p>
@@ -1100,7 +1100,7 @@
           <a:p>
             <a:fld id="{037F6D3A-DF67-F84B-9597-C40502329EC7}" type="datetimeFigureOut">
               <a:rPr lang="en-US" smtClean="0"/>
-              <a:t>9/20/21</a:t>
+              <a:t>9/23/21</a:t>
             </a:fld>
             <a:endParaRPr lang="en-US"/>
           </a:p>
@@ -1298,7 +1298,7 @@
           <a:p>
             <a:fld id="{037F6D3A-DF67-F84B-9597-C40502329EC7}" type="datetimeFigureOut">
               <a:rPr lang="en-US" smtClean="0"/>
-              <a:t>9/20/21</a:t>
+              <a:t>9/23/21</a:t>
             </a:fld>
             <a:endParaRPr lang="en-US"/>
           </a:p>
@@ -1573,7 +1573,7 @@
           <a:p>
             <a:fld id="{037F6D3A-DF67-F84B-9597-C40502329EC7}" type="datetimeFigureOut">
               <a:rPr lang="en-US" smtClean="0"/>
-              <a:t>9/20/21</a:t>
+              <a:t>9/23/21</a:t>
             </a:fld>
             <a:endParaRPr lang="en-US"/>
           </a:p>
@@ -1838,7 +1838,7 @@
           <a:p>
             <a:fld id="{037F6D3A-DF67-F84B-9597-C40502329EC7}" type="datetimeFigureOut">
               <a:rPr lang="en-US" smtClean="0"/>
-              <a:t>9/20/21</a:t>
+              <a:t>9/23/21</a:t>
             </a:fld>
             <a:endParaRPr lang="en-US"/>
           </a:p>
@@ -2250,7 +2250,7 @@
           <a:p>
             <a:fld id="{037F6D3A-DF67-F84B-9597-C40502329EC7}" type="datetimeFigureOut">
               <a:rPr lang="en-US" smtClean="0"/>
-              <a:t>9/20/21</a:t>
+              <a:t>9/23/21</a:t>
             </a:fld>
             <a:endParaRPr lang="en-US"/>
           </a:p>
@@ -2391,7 +2391,7 @@
           <a:p>
             <a:fld id="{037F6D3A-DF67-F84B-9597-C40502329EC7}" type="datetimeFigureOut">
               <a:rPr lang="en-US" smtClean="0"/>
-              <a:t>9/20/21</a:t>
+              <a:t>9/23/21</a:t>
             </a:fld>
             <a:endParaRPr lang="en-US"/>
           </a:p>
@@ -2504,7 +2504,7 @@
           <a:p>
             <a:fld id="{037F6D3A-DF67-F84B-9597-C40502329EC7}" type="datetimeFigureOut">
               <a:rPr lang="en-US" smtClean="0"/>
-              <a:t>9/20/21</a:t>
+              <a:t>9/23/21</a:t>
             </a:fld>
             <a:endParaRPr lang="en-US"/>
           </a:p>
@@ -2815,7 +2815,7 @@
           <a:p>
             <a:fld id="{037F6D3A-DF67-F84B-9597-C40502329EC7}" type="datetimeFigureOut">
               <a:rPr lang="en-US" smtClean="0"/>
-              <a:t>9/20/21</a:t>
+              <a:t>9/23/21</a:t>
             </a:fld>
             <a:endParaRPr lang="en-US"/>
           </a:p>
@@ -3103,7 +3103,7 @@
           <a:p>
             <a:fld id="{037F6D3A-DF67-F84B-9597-C40502329EC7}" type="datetimeFigureOut">
               <a:rPr lang="en-US" smtClean="0"/>
-              <a:t>9/20/21</a:t>
+              <a:t>9/23/21</a:t>
             </a:fld>
             <a:endParaRPr lang="en-US"/>
           </a:p>
@@ -3344,7 +3344,7 @@
           <a:p>
             <a:fld id="{037F6D3A-DF67-F84B-9597-C40502329EC7}" type="datetimeFigureOut">
               <a:rPr lang="en-US" smtClean="0"/>
-              <a:t>9/20/21</a:t>
+              <a:t>9/23/21</a:t>
             </a:fld>
             <a:endParaRPr lang="en-US"/>
           </a:p>
@@ -3817,7 +3817,7 @@
           <a:p>
             <a:r>
               <a:rPr lang="en-US" dirty="0"/>
-              <a:t>Test on one ore two mean vectors</a:t>
+              <a:t>Test on one or two mean vectors</a:t>
             </a:r>
           </a:p>
           <a:p>
@@ -4015,8 +4015,8 @@
           </a:prstGeom>
         </p:spPr>
       </p:pic>
-      <mc:AlternateContent xmlns:mc="http://schemas.openxmlformats.org/markup-compatibility/2006">
-        <mc:Choice xmlns:a14="http://schemas.microsoft.com/office/drawing/2010/main" Requires="a14">
+      <mc:AlternateContent xmlns:mc="http://schemas.openxmlformats.org/markup-compatibility/2006" xmlns:a14="http://schemas.microsoft.com/office/drawing/2010/main">
+        <mc:Choice Requires="a14">
           <p:sp>
             <p:nvSpPr>
               <p:cNvPr id="5" name="TextBox 4">
@@ -4089,7 +4089,7 @@
             </p:txBody>
           </p:sp>
         </mc:Choice>
-        <mc:Fallback>
+        <mc:Fallback xmlns="">
           <p:sp>
             <p:nvSpPr>
               <p:cNvPr id="5" name="TextBox 4">
@@ -5392,8 +5392,8 @@
           </a:p>
         </p:txBody>
       </p:sp>
-      <mc:AlternateContent xmlns:mc="http://schemas.openxmlformats.org/markup-compatibility/2006">
-        <mc:Choice xmlns:a14="http://schemas.microsoft.com/office/drawing/2010/main" Requires="a14">
+      <mc:AlternateContent xmlns:mc="http://schemas.openxmlformats.org/markup-compatibility/2006" xmlns:a14="http://schemas.microsoft.com/office/drawing/2010/main">
+        <mc:Choice Requires="a14">
           <p:sp>
             <p:nvSpPr>
               <p:cNvPr id="3" name="Content Placeholder 2">
@@ -5511,7 +5511,7 @@
             </p:txBody>
           </p:sp>
         </mc:Choice>
-        <mc:Fallback>
+        <mc:Fallback xmlns="">
           <p:sp>
             <p:nvSpPr>
               <p:cNvPr id="3" name="Content Placeholder 2">
@@ -7774,8 +7774,8 @@
           </a:p>
         </p:txBody>
       </p:sp>
-      <mc:AlternateContent xmlns:mc="http://schemas.openxmlformats.org/markup-compatibility/2006">
-        <mc:Choice xmlns:a14="http://schemas.microsoft.com/office/drawing/2010/main" Requires="a14">
+      <mc:AlternateContent xmlns:mc="http://schemas.openxmlformats.org/markup-compatibility/2006" xmlns:a14="http://schemas.microsoft.com/office/drawing/2010/main">
+        <mc:Choice Requires="a14">
           <p:sp>
             <p:nvSpPr>
               <p:cNvPr id="3" name="Content Placeholder 2">
@@ -7901,7 +7901,7 @@
             </p:txBody>
           </p:sp>
         </mc:Choice>
-        <mc:Fallback>
+        <mc:Fallback xmlns="">
           <p:sp>
             <p:nvSpPr>
               <p:cNvPr id="3" name="Content Placeholder 2">

--- a/Class 04 Tests on one or two mean vectors.pptx
+++ b/Class 04 Tests on one or two mean vectors.pptx
@@ -190,12 +190,33 @@
 </p:presentation>
 </file>
 
-<file path=ppt/revisionInfo.xml><?xml version="1.0" encoding="utf-8"?>
-<p1510:revInfo xmlns:a="http://schemas.openxmlformats.org/drawingml/2006/main" xmlns:r="http://schemas.openxmlformats.org/officeDocument/2006/relationships" xmlns:p1510="http://schemas.microsoft.com/office/powerpoint/2015/10/main">
-  <p1510:revLst>
-    <p1510:client id="{8A2A6AA8-4D43-EA48-8C5F-39EC25509991}" v="152" dt="2021-09-23T02:44:42.594"/>
-  </p1510:revLst>
-</p1510:revInfo>
+<file path=ppt/changesInfos/changesInfo1.xml><?xml version="1.0" encoding="utf-8"?>
+<pc:chgInfo xmlns:a="http://schemas.openxmlformats.org/drawingml/2006/main" xmlns:r="http://schemas.openxmlformats.org/officeDocument/2006/relationships" xmlns:ac="http://schemas.microsoft.com/office/drawing/2013/main/command" xmlns:pc="http://schemas.microsoft.com/office/powerpoint/2013/main/command">
+  <pc:docChgLst>
+    <pc:chgData name="Vitaly Druker" userId="2c9e1fe4-d3d1-4b04-a99a-cb29bc2e442f" providerId="ADAL" clId="{8EC4612B-631E-DF46-963C-0B5C6367EA4B}"/>
+    <pc:docChg chg="undo custSel modSld">
+      <pc:chgData name="Vitaly Druker" userId="2c9e1fe4-d3d1-4b04-a99a-cb29bc2e442f" providerId="ADAL" clId="{8EC4612B-631E-DF46-963C-0B5C6367EA4B}" dt="2021-10-08T00:20:43.785" v="1" actId="21"/>
+      <pc:docMkLst>
+        <pc:docMk/>
+      </pc:docMkLst>
+      <pc:sldChg chg="modSp mod">
+        <pc:chgData name="Vitaly Druker" userId="2c9e1fe4-d3d1-4b04-a99a-cb29bc2e442f" providerId="ADAL" clId="{8EC4612B-631E-DF46-963C-0B5C6367EA4B}" dt="2021-10-08T00:20:43.785" v="1" actId="21"/>
+        <pc:sldMkLst>
+          <pc:docMk/>
+          <pc:sldMk cId="2209468050" sldId="315"/>
+        </pc:sldMkLst>
+        <pc:spChg chg="mod">
+          <ac:chgData name="Vitaly Druker" userId="2c9e1fe4-d3d1-4b04-a99a-cb29bc2e442f" providerId="ADAL" clId="{8EC4612B-631E-DF46-963C-0B5C6367EA4B}" dt="2021-10-08T00:20:43.785" v="1" actId="21"/>
+          <ac:spMkLst>
+            <pc:docMk/>
+            <pc:sldMk cId="2209468050" sldId="315"/>
+            <ac:spMk id="3" creationId="{745FCB9F-6C4D-B54D-92A7-64C530E80FAB}"/>
+          </ac:spMkLst>
+        </pc:spChg>
+      </pc:sldChg>
+    </pc:docChg>
+  </pc:docChgLst>
+</pc:chgInfo>
 </file>
 
 <file path=ppt/notesMasters/notesMaster1.xml><?xml version="1.0" encoding="utf-8"?>
@@ -280,7 +301,7 @@
           <a:p>
             <a:fld id="{DCB46477-8831-DF47-BC3A-B65F1FA8D045}" type="datetimeFigureOut">
               <a:rPr lang="en-US" smtClean="0"/>
-              <a:t>9/23/21</a:t>
+              <a:t>10/7/21</a:t>
             </a:fld>
             <a:endParaRPr lang="en-US"/>
           </a:p>
@@ -694,7 +715,7 @@
           <a:p>
             <a:fld id="{037F6D3A-DF67-F84B-9597-C40502329EC7}" type="datetimeFigureOut">
               <a:rPr lang="en-US" smtClean="0"/>
-              <a:t>9/23/21</a:t>
+              <a:t>10/7/21</a:t>
             </a:fld>
             <a:endParaRPr lang="en-US"/>
           </a:p>
@@ -892,7 +913,7 @@
           <a:p>
             <a:fld id="{037F6D3A-DF67-F84B-9597-C40502329EC7}" type="datetimeFigureOut">
               <a:rPr lang="en-US" smtClean="0"/>
-              <a:t>9/23/21</a:t>
+              <a:t>10/7/21</a:t>
             </a:fld>
             <a:endParaRPr lang="en-US"/>
           </a:p>
@@ -1100,7 +1121,7 @@
           <a:p>
             <a:fld id="{037F6D3A-DF67-F84B-9597-C40502329EC7}" type="datetimeFigureOut">
               <a:rPr lang="en-US" smtClean="0"/>
-              <a:t>9/23/21</a:t>
+              <a:t>10/7/21</a:t>
             </a:fld>
             <a:endParaRPr lang="en-US"/>
           </a:p>
@@ -1298,7 +1319,7 @@
           <a:p>
             <a:fld id="{037F6D3A-DF67-F84B-9597-C40502329EC7}" type="datetimeFigureOut">
               <a:rPr lang="en-US" smtClean="0"/>
-              <a:t>9/23/21</a:t>
+              <a:t>10/7/21</a:t>
             </a:fld>
             <a:endParaRPr lang="en-US"/>
           </a:p>
@@ -1573,7 +1594,7 @@
           <a:p>
             <a:fld id="{037F6D3A-DF67-F84B-9597-C40502329EC7}" type="datetimeFigureOut">
               <a:rPr lang="en-US" smtClean="0"/>
-              <a:t>9/23/21</a:t>
+              <a:t>10/7/21</a:t>
             </a:fld>
             <a:endParaRPr lang="en-US"/>
           </a:p>
@@ -1838,7 +1859,7 @@
           <a:p>
             <a:fld id="{037F6D3A-DF67-F84B-9597-C40502329EC7}" type="datetimeFigureOut">
               <a:rPr lang="en-US" smtClean="0"/>
-              <a:t>9/23/21</a:t>
+              <a:t>10/7/21</a:t>
             </a:fld>
             <a:endParaRPr lang="en-US"/>
           </a:p>
@@ -2250,7 +2271,7 @@
           <a:p>
             <a:fld id="{037F6D3A-DF67-F84B-9597-C40502329EC7}" type="datetimeFigureOut">
               <a:rPr lang="en-US" smtClean="0"/>
-              <a:t>9/23/21</a:t>
+              <a:t>10/7/21</a:t>
             </a:fld>
             <a:endParaRPr lang="en-US"/>
           </a:p>
@@ -2391,7 +2412,7 @@
           <a:p>
             <a:fld id="{037F6D3A-DF67-F84B-9597-C40502329EC7}" type="datetimeFigureOut">
               <a:rPr lang="en-US" smtClean="0"/>
-              <a:t>9/23/21</a:t>
+              <a:t>10/7/21</a:t>
             </a:fld>
             <a:endParaRPr lang="en-US"/>
           </a:p>
@@ -2504,7 +2525,7 @@
           <a:p>
             <a:fld id="{037F6D3A-DF67-F84B-9597-C40502329EC7}" type="datetimeFigureOut">
               <a:rPr lang="en-US" smtClean="0"/>
-              <a:t>9/23/21</a:t>
+              <a:t>10/7/21</a:t>
             </a:fld>
             <a:endParaRPr lang="en-US"/>
           </a:p>
@@ -2815,7 +2836,7 @@
           <a:p>
             <a:fld id="{037F6D3A-DF67-F84B-9597-C40502329EC7}" type="datetimeFigureOut">
               <a:rPr lang="en-US" smtClean="0"/>
-              <a:t>9/23/21</a:t>
+              <a:t>10/7/21</a:t>
             </a:fld>
             <a:endParaRPr lang="en-US"/>
           </a:p>
@@ -3103,7 +3124,7 @@
           <a:p>
             <a:fld id="{037F6D3A-DF67-F84B-9597-C40502329EC7}" type="datetimeFigureOut">
               <a:rPr lang="en-US" smtClean="0"/>
-              <a:t>9/23/21</a:t>
+              <a:t>10/7/21</a:t>
             </a:fld>
             <a:endParaRPr lang="en-US"/>
           </a:p>
@@ -3344,7 +3365,7 @@
           <a:p>
             <a:fld id="{037F6D3A-DF67-F84B-9597-C40502329EC7}" type="datetimeFigureOut">
               <a:rPr lang="en-US" smtClean="0"/>
-              <a:t>9/23/21</a:t>
+              <a:t>10/7/21</a:t>
             </a:fld>
             <a:endParaRPr lang="en-US"/>
           </a:p>
